--- a/Primeira Turma de SQL/Sprint 4/NappAcademy.pptx
+++ b/Primeira Turma de SQL/Sprint 4/NappAcademy.pptx
@@ -260,7 +260,7 @@
           <a:p>
             <a:fld id="{C032D9C5-29F6-4888-9577-AC2AE693F4F6}" type="datetimeFigureOut">
               <a:rPr lang="pt-BR" smtClean="0"/>
-              <a:t>28/09/2022</a:t>
+              <a:t>29/09/2022</a:t>
             </a:fld>
             <a:endParaRPr lang="pt-BR"/>
           </a:p>
@@ -458,7 +458,7 @@
           <a:p>
             <a:fld id="{C032D9C5-29F6-4888-9577-AC2AE693F4F6}" type="datetimeFigureOut">
               <a:rPr lang="pt-BR" smtClean="0"/>
-              <a:t>28/09/2022</a:t>
+              <a:t>29/09/2022</a:t>
             </a:fld>
             <a:endParaRPr lang="pt-BR"/>
           </a:p>
@@ -666,7 +666,7 @@
           <a:p>
             <a:fld id="{C032D9C5-29F6-4888-9577-AC2AE693F4F6}" type="datetimeFigureOut">
               <a:rPr lang="pt-BR" smtClean="0"/>
-              <a:t>28/09/2022</a:t>
+              <a:t>29/09/2022</a:t>
             </a:fld>
             <a:endParaRPr lang="pt-BR"/>
           </a:p>
@@ -864,7 +864,7 @@
           <a:p>
             <a:fld id="{C032D9C5-29F6-4888-9577-AC2AE693F4F6}" type="datetimeFigureOut">
               <a:rPr lang="pt-BR" smtClean="0"/>
-              <a:t>28/09/2022</a:t>
+              <a:t>29/09/2022</a:t>
             </a:fld>
             <a:endParaRPr lang="pt-BR"/>
           </a:p>
@@ -1139,7 +1139,7 @@
           <a:p>
             <a:fld id="{C032D9C5-29F6-4888-9577-AC2AE693F4F6}" type="datetimeFigureOut">
               <a:rPr lang="pt-BR" smtClean="0"/>
-              <a:t>28/09/2022</a:t>
+              <a:t>29/09/2022</a:t>
             </a:fld>
             <a:endParaRPr lang="pt-BR"/>
           </a:p>
@@ -1404,7 +1404,7 @@
           <a:p>
             <a:fld id="{C032D9C5-29F6-4888-9577-AC2AE693F4F6}" type="datetimeFigureOut">
               <a:rPr lang="pt-BR" smtClean="0"/>
-              <a:t>28/09/2022</a:t>
+              <a:t>29/09/2022</a:t>
             </a:fld>
             <a:endParaRPr lang="pt-BR"/>
           </a:p>
@@ -1816,7 +1816,7 @@
           <a:p>
             <a:fld id="{C032D9C5-29F6-4888-9577-AC2AE693F4F6}" type="datetimeFigureOut">
               <a:rPr lang="pt-BR" smtClean="0"/>
-              <a:t>28/09/2022</a:t>
+              <a:t>29/09/2022</a:t>
             </a:fld>
             <a:endParaRPr lang="pt-BR"/>
           </a:p>
@@ -1957,7 +1957,7 @@
           <a:p>
             <a:fld id="{C032D9C5-29F6-4888-9577-AC2AE693F4F6}" type="datetimeFigureOut">
               <a:rPr lang="pt-BR" smtClean="0"/>
-              <a:t>28/09/2022</a:t>
+              <a:t>29/09/2022</a:t>
             </a:fld>
             <a:endParaRPr lang="pt-BR"/>
           </a:p>
@@ -2070,7 +2070,7 @@
           <a:p>
             <a:fld id="{C032D9C5-29F6-4888-9577-AC2AE693F4F6}" type="datetimeFigureOut">
               <a:rPr lang="pt-BR" smtClean="0"/>
-              <a:t>28/09/2022</a:t>
+              <a:t>29/09/2022</a:t>
             </a:fld>
             <a:endParaRPr lang="pt-BR"/>
           </a:p>
@@ -2381,7 +2381,7 @@
           <a:p>
             <a:fld id="{C032D9C5-29F6-4888-9577-AC2AE693F4F6}" type="datetimeFigureOut">
               <a:rPr lang="pt-BR" smtClean="0"/>
-              <a:t>28/09/2022</a:t>
+              <a:t>29/09/2022</a:t>
             </a:fld>
             <a:endParaRPr lang="pt-BR"/>
           </a:p>
@@ -2669,7 +2669,7 @@
           <a:p>
             <a:fld id="{C032D9C5-29F6-4888-9577-AC2AE693F4F6}" type="datetimeFigureOut">
               <a:rPr lang="pt-BR" smtClean="0"/>
-              <a:t>28/09/2022</a:t>
+              <a:t>29/09/2022</a:t>
             </a:fld>
             <a:endParaRPr lang="pt-BR"/>
           </a:p>
@@ -2910,7 +2910,7 @@
           <a:p>
             <a:fld id="{C032D9C5-29F6-4888-9577-AC2AE693F4F6}" type="datetimeFigureOut">
               <a:rPr lang="pt-BR" smtClean="0"/>
-              <a:t>28/09/2022</a:t>
+              <a:t>29/09/2022</a:t>
             </a:fld>
             <a:endParaRPr lang="pt-BR"/>
           </a:p>
@@ -3528,11 +3528,17 @@
             <p:ph type="title"/>
           </p:nvPr>
         </p:nvSpPr>
-        <p:spPr/>
-        <p:txBody>
-          <a:bodyPr/>
-          <a:lstStyle/>
-          <a:p>
+        <p:spPr>
+          <a:xfrm>
+            <a:off x="838200" y="402703"/>
+            <a:ext cx="10515600" cy="1325563"/>
+          </a:xfrm>
+        </p:spPr>
+        <p:txBody>
+          <a:bodyPr/>
+          <a:lstStyle/>
+          <a:p>
+            <a:pPr algn="ctr"/>
             <a:r>
               <a:rPr lang="pt-BR" dirty="0"/>
               <a:t>Participantes</a:t>
@@ -3561,12 +3567,18 @@
           <a:bodyPr/>
           <a:lstStyle/>
           <a:p>
+            <a:pPr algn="ctr"/>
+            <a:endParaRPr lang="pt-BR" dirty="0"/>
+          </a:p>
+          <a:p>
+            <a:pPr algn="ctr"/>
             <a:r>
               <a:rPr lang="pt-BR" dirty="0"/>
               <a:t>Cauê Viel</a:t>
             </a:r>
           </a:p>
           <a:p>
+            <a:pPr algn="ctr"/>
             <a:r>
               <a:rPr lang="pt-BR" dirty="0" err="1"/>
               <a:t>Rian</a:t>
@@ -3582,18 +3594,21 @@
             <a:endParaRPr lang="pt-BR" dirty="0"/>
           </a:p>
           <a:p>
+            <a:pPr algn="ctr"/>
             <a:r>
               <a:rPr lang="pt-BR" dirty="0"/>
               <a:t>Matheus Santos</a:t>
             </a:r>
           </a:p>
           <a:p>
+            <a:pPr algn="ctr"/>
             <a:r>
               <a:rPr lang="pt-BR" dirty="0"/>
               <a:t>André Conforti</a:t>
             </a:r>
           </a:p>
           <a:p>
+            <a:pPr algn="ctr"/>
             <a:r>
               <a:rPr lang="pt-BR" dirty="0"/>
               <a:t>Ronaldo </a:t>
